--- a/KKT条件中 Lambda_i与不等式之间的变化.pptx
+++ b/KKT条件中 Lambda_i与不等式之间的变化.pptx
@@ -6501,8 +6501,8 @@
           </p:sp>
         </mc:Fallback>
       </mc:AlternateContent>
-      <mc:AlternateContent xmlns:mc="http://schemas.openxmlformats.org/markup-compatibility/2006">
-        <mc:Choice xmlns:a14="http://schemas.microsoft.com/office/drawing/2010/main" Requires="a14">
+      <mc:AlternateContent xmlns:mc="http://schemas.openxmlformats.org/markup-compatibility/2006" xmlns:a14="http://schemas.microsoft.com/office/drawing/2010/main">
+        <mc:Choice Requires="a14">
           <p:sp>
             <p:nvSpPr>
               <p:cNvPr id="45" name="文本框 44">
@@ -6843,7 +6843,7 @@
             </p:txBody>
           </p:sp>
         </mc:Choice>
-        <mc:Fallback>
+        <mc:Fallback xmlns="">
           <p:sp>
             <p:nvSpPr>
               <p:cNvPr id="45" name="文本框 44">
@@ -11392,6 +11392,484 @@
           </p:sp>
         </mc:Fallback>
       </mc:AlternateContent>
+      <mc:AlternateContent xmlns:mc="http://schemas.openxmlformats.org/markup-compatibility/2006">
+        <mc:Choice xmlns:a14="http://schemas.microsoft.com/office/drawing/2010/main" Requires="a14">
+          <p:sp>
+            <p:nvSpPr>
+              <p:cNvPr id="2" name="文本框 1">
+                <a:extLst>
+                  <a:ext uri="{FF2B5EF4-FFF2-40B4-BE49-F238E27FC236}">
+                    <a16:creationId xmlns:a16="http://schemas.microsoft.com/office/drawing/2014/main" id="{55A2770F-BCD2-A473-DF66-E6ADFDB35751}"/>
+                  </a:ext>
+                </a:extLst>
+              </p:cNvPr>
+              <p:cNvSpPr txBox="1"/>
+              <p:nvPr/>
+            </p:nvSpPr>
+            <p:spPr>
+              <a:xfrm>
+                <a:off x="183020" y="5711780"/>
+                <a:ext cx="8639673" cy="923330"/>
+              </a:xfrm>
+              <a:prstGeom prst="rect">
+                <a:avLst/>
+              </a:prstGeom>
+              <a:noFill/>
+            </p:spPr>
+            <p:txBody>
+              <a:bodyPr wrap="none" rtlCol="0">
+                <a:spAutoFit/>
+              </a:bodyPr>
+              <a:lstStyle/>
+              <a:p>
+                <a:r>
+                  <a:rPr lang="zh-CN" altLang="en-US" dirty="0">
+                    <a:solidFill>
+                      <a:schemeClr val="tx1"/>
+                    </a:solidFill>
+                  </a:rPr>
+                  <a:t>因此，从本页到之前页的分析可以得知，</a:t>
+                </a:r>
+                <a14:m>
+                  <m:oMath xmlns:m="http://schemas.openxmlformats.org/officeDocument/2006/math">
+                    <m:r>
+                      <a:rPr lang="en-US" altLang="zh-CN" b="0" i="1" smtClean="0">
+                        <a:solidFill>
+                          <a:schemeClr val="tx1"/>
+                        </a:solidFill>
+                        <a:latin typeface="Cambria Math" panose="02040503050406030204" pitchFamily="18" charset="0"/>
+                      </a:rPr>
+                      <m:t>𝜆</m:t>
+                    </m:r>
+                  </m:oMath>
+                </a14:m>
+                <a:r>
+                  <a:rPr lang="zh-CN" altLang="en-US" dirty="0">
+                    <a:solidFill>
+                      <a:schemeClr val="tx1"/>
+                    </a:solidFill>
+                  </a:rPr>
+                  <a:t> 的取值与 </a:t>
+                </a:r>
+                <a14:m>
+                  <m:oMath xmlns:m="http://schemas.openxmlformats.org/officeDocument/2006/math">
+                    <m:r>
+                      <m:rPr>
+                        <m:sty m:val="p"/>
+                      </m:rPr>
+                      <a:rPr lang="en-US" altLang="zh-CN">
+                        <a:solidFill>
+                          <a:schemeClr val="tx1"/>
+                        </a:solidFill>
+                        <a:latin typeface="Cambria Math" panose="02040503050406030204" pitchFamily="18" charset="0"/>
+                      </a:rPr>
+                      <m:t>∇</m:t>
+                    </m:r>
+                    <m:sSub>
+                      <m:sSubPr>
+                        <m:ctrlPr>
+                          <a:rPr lang="en-US" altLang="zh-CN" i="1">
+                            <a:solidFill>
+                              <a:schemeClr val="tx1"/>
+                            </a:solidFill>
+                            <a:latin typeface="Cambria Math" panose="02040503050406030204" pitchFamily="18" charset="0"/>
+                          </a:rPr>
+                        </m:ctrlPr>
+                      </m:sSubPr>
+                      <m:e>
+                        <m:r>
+                          <a:rPr lang="en-US" altLang="zh-CN" i="1">
+                            <a:solidFill>
+                              <a:schemeClr val="tx1"/>
+                            </a:solidFill>
+                            <a:latin typeface="Cambria Math" panose="02040503050406030204" pitchFamily="18" charset="0"/>
+                          </a:rPr>
+                          <m:t>𝑓</m:t>
+                        </m:r>
+                      </m:e>
+                      <m:sub>
+                        <m:r>
+                          <a:rPr lang="en-US" altLang="zh-CN" i="1">
+                            <a:solidFill>
+                              <a:schemeClr val="tx1"/>
+                            </a:solidFill>
+                            <a:latin typeface="Cambria Math" panose="02040503050406030204" pitchFamily="18" charset="0"/>
+                          </a:rPr>
+                          <m:t>1</m:t>
+                        </m:r>
+                      </m:sub>
+                    </m:sSub>
+                    <m:r>
+                      <a:rPr lang="en-US" altLang="zh-CN" i="1">
+                        <a:solidFill>
+                          <a:schemeClr val="tx1"/>
+                        </a:solidFill>
+                        <a:latin typeface="Cambria Math" panose="02040503050406030204" pitchFamily="18" charset="0"/>
+                      </a:rPr>
+                      <m:t>(</m:t>
+                    </m:r>
+                    <m:sSup>
+                      <m:sSupPr>
+                        <m:ctrlPr>
+                          <a:rPr lang="en-US" altLang="zh-CN" i="1">
+                            <a:solidFill>
+                              <a:schemeClr val="tx1"/>
+                            </a:solidFill>
+                            <a:latin typeface="Cambria Math" panose="02040503050406030204" pitchFamily="18" charset="0"/>
+                          </a:rPr>
+                        </m:ctrlPr>
+                      </m:sSupPr>
+                      <m:e>
+                        <m:r>
+                          <a:rPr lang="en-US" altLang="zh-CN" i="1">
+                            <a:solidFill>
+                              <a:schemeClr val="tx1"/>
+                            </a:solidFill>
+                            <a:latin typeface="Cambria Math" panose="02040503050406030204" pitchFamily="18" charset="0"/>
+                          </a:rPr>
+                          <m:t>𝑥</m:t>
+                        </m:r>
+                      </m:e>
+                      <m:sup>
+                        <m:r>
+                          <a:rPr lang="en-US" altLang="zh-CN" i="1">
+                            <a:solidFill>
+                              <a:schemeClr val="tx1"/>
+                            </a:solidFill>
+                            <a:latin typeface="Cambria Math" panose="02040503050406030204" pitchFamily="18" charset="0"/>
+                          </a:rPr>
+                          <m:t>⋆</m:t>
+                        </m:r>
+                      </m:sup>
+                    </m:sSup>
+                    <m:r>
+                      <a:rPr lang="en-US" altLang="zh-CN" i="1">
+                        <a:solidFill>
+                          <a:schemeClr val="tx1"/>
+                        </a:solidFill>
+                        <a:latin typeface="Cambria Math" panose="02040503050406030204" pitchFamily="18" charset="0"/>
+                      </a:rPr>
+                      <m:t>)</m:t>
+                    </m:r>
+                  </m:oMath>
+                </a14:m>
+                <a:r>
+                  <a:rPr lang="zh-CN" altLang="en-US" dirty="0">
+                    <a:solidFill>
+                      <a:schemeClr val="tx1"/>
+                    </a:solidFill>
+                  </a:rPr>
+                  <a:t> 的关系是非常重要的</a:t>
+                </a:r>
+                <a:r>
+                  <a:rPr lang="zh-CN" altLang="en-US" dirty="0"/>
+                  <a:t>，</a:t>
+                </a:r>
+                <a:endParaRPr lang="en-US" altLang="zh-CN" dirty="0"/>
+              </a:p>
+              <a:p>
+                <a:r>
+                  <a:rPr lang="zh-CN" altLang="en-US" dirty="0"/>
+                  <a:t>当 </a:t>
+                </a:r>
+                <a14:m>
+                  <m:oMath xmlns:m="http://schemas.openxmlformats.org/officeDocument/2006/math">
+                    <m:r>
+                      <m:rPr>
+                        <m:sty m:val="p"/>
+                      </m:rPr>
+                      <a:rPr lang="en-US" altLang="zh-CN">
+                        <a:latin typeface="Cambria Math" panose="02040503050406030204" pitchFamily="18" charset="0"/>
+                      </a:rPr>
+                      <m:t>∇</m:t>
+                    </m:r>
+                    <m:sSub>
+                      <m:sSubPr>
+                        <m:ctrlPr>
+                          <a:rPr lang="en-US" altLang="zh-CN" i="1">
+                            <a:latin typeface="Cambria Math" panose="02040503050406030204" pitchFamily="18" charset="0"/>
+                          </a:rPr>
+                        </m:ctrlPr>
+                      </m:sSubPr>
+                      <m:e>
+                        <m:r>
+                          <a:rPr lang="en-US" altLang="zh-CN" i="1">
+                            <a:latin typeface="Cambria Math" panose="02040503050406030204" pitchFamily="18" charset="0"/>
+                          </a:rPr>
+                          <m:t>𝑓</m:t>
+                        </m:r>
+                      </m:e>
+                      <m:sub>
+                        <m:r>
+                          <a:rPr lang="en-US" altLang="zh-CN" i="1">
+                            <a:latin typeface="Cambria Math" panose="02040503050406030204" pitchFamily="18" charset="0"/>
+                          </a:rPr>
+                          <m:t>1</m:t>
+                        </m:r>
+                      </m:sub>
+                    </m:sSub>
+                    <m:r>
+                      <a:rPr lang="en-US" altLang="zh-CN" i="1">
+                        <a:latin typeface="Cambria Math" panose="02040503050406030204" pitchFamily="18" charset="0"/>
+                      </a:rPr>
+                      <m:t>(</m:t>
+                    </m:r>
+                    <m:sSup>
+                      <m:sSupPr>
+                        <m:ctrlPr>
+                          <a:rPr lang="en-US" altLang="zh-CN" i="1">
+                            <a:latin typeface="Cambria Math" panose="02040503050406030204" pitchFamily="18" charset="0"/>
+                          </a:rPr>
+                        </m:ctrlPr>
+                      </m:sSupPr>
+                      <m:e>
+                        <m:r>
+                          <a:rPr lang="en-US" altLang="zh-CN" i="1">
+                            <a:latin typeface="Cambria Math" panose="02040503050406030204" pitchFamily="18" charset="0"/>
+                          </a:rPr>
+                          <m:t>𝑥</m:t>
+                        </m:r>
+                      </m:e>
+                      <m:sup>
+                        <m:r>
+                          <a:rPr lang="en-US" altLang="zh-CN" i="1">
+                            <a:latin typeface="Cambria Math" panose="02040503050406030204" pitchFamily="18" charset="0"/>
+                          </a:rPr>
+                          <m:t>⋆</m:t>
+                        </m:r>
+                      </m:sup>
+                    </m:sSup>
+                    <m:r>
+                      <a:rPr lang="en-US" altLang="zh-CN" i="1">
+                        <a:latin typeface="Cambria Math" panose="02040503050406030204" pitchFamily="18" charset="0"/>
+                      </a:rPr>
+                      <m:t>)</m:t>
+                    </m:r>
+                    <m:r>
+                      <a:rPr lang="en-US" altLang="zh-CN" i="1">
+                        <a:latin typeface="Cambria Math" panose="02040503050406030204" pitchFamily="18" charset="0"/>
+                      </a:rPr>
+                      <m:t>=</m:t>
+                    </m:r>
+                    <m:r>
+                      <a:rPr lang="en-US" altLang="zh-CN" b="0" i="1" smtClean="0">
+                        <a:latin typeface="Cambria Math" panose="02040503050406030204" pitchFamily="18" charset="0"/>
+                      </a:rPr>
+                      <m:t>0</m:t>
+                    </m:r>
+                  </m:oMath>
+                </a14:m>
+                <a:r>
+                  <a:rPr lang="zh-CN" altLang="en-US" dirty="0"/>
+                  <a:t> 时，</a:t>
+                </a:r>
+                <a:r>
+                  <a:rPr lang="en-US" altLang="zh-CN" dirty="0"/>
+                  <a:t> </a:t>
+                </a:r>
+                <a14:m>
+                  <m:oMath xmlns:m="http://schemas.openxmlformats.org/officeDocument/2006/math">
+                    <m:r>
+                      <a:rPr lang="en-US" altLang="zh-CN" i="1">
+                        <a:latin typeface="Cambria Math" panose="02040503050406030204" pitchFamily="18" charset="0"/>
+                      </a:rPr>
+                      <m:t>𝜆</m:t>
+                    </m:r>
+                    <m:r>
+                      <a:rPr lang="en-US" altLang="zh-CN" b="0" i="0" smtClean="0">
+                        <a:latin typeface="Cambria Math" panose="02040503050406030204" pitchFamily="18" charset="0"/>
+                      </a:rPr>
+                      <m:t>&gt;0,</m:t>
+                    </m:r>
+                  </m:oMath>
+                </a14:m>
+                <a:r>
+                  <a:rPr lang="zh-CN" altLang="en-US" dirty="0"/>
+                  <a:t> </a:t>
+                </a:r>
+                <a:endParaRPr lang="en-US" altLang="zh-CN" dirty="0"/>
+              </a:p>
+              <a:p>
+                <a:r>
+                  <a:rPr lang="zh-CN" altLang="en-US" dirty="0"/>
+                  <a:t>当 </a:t>
+                </a:r>
+                <a14:m>
+                  <m:oMath xmlns:m="http://schemas.openxmlformats.org/officeDocument/2006/math">
+                    <m:r>
+                      <m:rPr>
+                        <m:sty m:val="p"/>
+                      </m:rPr>
+                      <a:rPr lang="en-US" altLang="zh-CN">
+                        <a:latin typeface="Cambria Math" panose="02040503050406030204" pitchFamily="18" charset="0"/>
+                      </a:rPr>
+                      <m:t>∇</m:t>
+                    </m:r>
+                    <m:sSub>
+                      <m:sSubPr>
+                        <m:ctrlPr>
+                          <a:rPr lang="en-US" altLang="zh-CN" i="1">
+                            <a:latin typeface="Cambria Math" panose="02040503050406030204" pitchFamily="18" charset="0"/>
+                          </a:rPr>
+                        </m:ctrlPr>
+                      </m:sSubPr>
+                      <m:e>
+                        <m:r>
+                          <a:rPr lang="en-US" altLang="zh-CN" i="1">
+                            <a:latin typeface="Cambria Math" panose="02040503050406030204" pitchFamily="18" charset="0"/>
+                          </a:rPr>
+                          <m:t>𝑓</m:t>
+                        </m:r>
+                      </m:e>
+                      <m:sub>
+                        <m:r>
+                          <a:rPr lang="en-US" altLang="zh-CN" i="1">
+                            <a:latin typeface="Cambria Math" panose="02040503050406030204" pitchFamily="18" charset="0"/>
+                          </a:rPr>
+                          <m:t>1</m:t>
+                        </m:r>
+                      </m:sub>
+                    </m:sSub>
+                    <m:d>
+                      <m:dPr>
+                        <m:ctrlPr>
+                          <a:rPr lang="en-US" altLang="zh-CN" i="1">
+                            <a:latin typeface="Cambria Math" panose="02040503050406030204" pitchFamily="18" charset="0"/>
+                          </a:rPr>
+                        </m:ctrlPr>
+                      </m:dPr>
+                      <m:e>
+                        <m:sSup>
+                          <m:sSupPr>
+                            <m:ctrlPr>
+                              <a:rPr lang="en-US" altLang="zh-CN" i="1">
+                                <a:latin typeface="Cambria Math" panose="02040503050406030204" pitchFamily="18" charset="0"/>
+                              </a:rPr>
+                            </m:ctrlPr>
+                          </m:sSupPr>
+                          <m:e>
+                            <m:r>
+                              <a:rPr lang="en-US" altLang="zh-CN" i="1">
+                                <a:latin typeface="Cambria Math" panose="02040503050406030204" pitchFamily="18" charset="0"/>
+                              </a:rPr>
+                              <m:t>𝑥</m:t>
+                            </m:r>
+                          </m:e>
+                          <m:sup>
+                            <m:r>
+                              <a:rPr lang="en-US" altLang="zh-CN" i="1">
+                                <a:latin typeface="Cambria Math" panose="02040503050406030204" pitchFamily="18" charset="0"/>
+                              </a:rPr>
+                              <m:t>⋆</m:t>
+                            </m:r>
+                          </m:sup>
+                        </m:sSup>
+                      </m:e>
+                    </m:d>
+                    <m:r>
+                      <a:rPr lang="en-US" altLang="zh-CN" b="0" i="1" smtClean="0">
+                        <a:latin typeface="Cambria Math" panose="02040503050406030204" pitchFamily="18" charset="0"/>
+                      </a:rPr>
+                      <m:t>&lt;</m:t>
+                    </m:r>
+                    <m:r>
+                      <a:rPr lang="en-US" altLang="zh-CN" i="1">
+                        <a:latin typeface="Cambria Math" panose="02040503050406030204" pitchFamily="18" charset="0"/>
+                      </a:rPr>
+                      <m:t>0</m:t>
+                    </m:r>
+                  </m:oMath>
+                </a14:m>
+                <a:r>
+                  <a:rPr lang="zh-CN" altLang="en-US" dirty="0"/>
+                  <a:t> 时</a:t>
+                </a:r>
+                <a:r>
+                  <a:rPr lang="en-US" altLang="zh-CN" dirty="0"/>
+                  <a:t>, </a:t>
+                </a:r>
+                <a14:m>
+                  <m:oMath xmlns:m="http://schemas.openxmlformats.org/officeDocument/2006/math">
+                    <m:r>
+                      <a:rPr lang="en-US" altLang="zh-CN" i="1">
+                        <a:latin typeface="Cambria Math" panose="02040503050406030204" pitchFamily="18" charset="0"/>
+                      </a:rPr>
+                      <m:t>𝜆</m:t>
+                    </m:r>
+                    <m:r>
+                      <a:rPr lang="en-US" altLang="zh-CN" b="0" i="0" smtClean="0">
+                        <a:latin typeface="Cambria Math" panose="02040503050406030204" pitchFamily="18" charset="0"/>
+                      </a:rPr>
+                      <m:t>=</m:t>
+                    </m:r>
+                    <m:r>
+                      <a:rPr lang="en-US" altLang="zh-CN">
+                        <a:latin typeface="Cambria Math" panose="02040503050406030204" pitchFamily="18" charset="0"/>
+                      </a:rPr>
+                      <m:t>0</m:t>
+                    </m:r>
+                    <m:r>
+                      <a:rPr lang="en-US" altLang="zh-CN" b="0" i="0" smtClean="0">
+                        <a:latin typeface="Cambria Math" panose="02040503050406030204" pitchFamily="18" charset="0"/>
+                      </a:rPr>
+                      <m:t>.</m:t>
+                    </m:r>
+                  </m:oMath>
+                </a14:m>
+                <a:endParaRPr lang="zh-CN" altLang="en-US" dirty="0">
+                  <a:solidFill>
+                    <a:schemeClr val="tx1"/>
+                  </a:solidFill>
+                </a:endParaRPr>
+              </a:p>
+            </p:txBody>
+          </p:sp>
+        </mc:Choice>
+        <mc:Fallback>
+          <p:sp>
+            <p:nvSpPr>
+              <p:cNvPr id="2" name="文本框 1">
+                <a:extLst>
+                  <a:ext uri="{FF2B5EF4-FFF2-40B4-BE49-F238E27FC236}">
+                    <a16:creationId xmlns:a16="http://schemas.microsoft.com/office/drawing/2014/main" id="{55A2770F-BCD2-A473-DF66-E6ADFDB35751}"/>
+                  </a:ext>
+                </a:extLst>
+              </p:cNvPr>
+              <p:cNvSpPr txBox="1">
+                <a:spLocks noRot="1" noChangeAspect="1" noMove="1" noResize="1" noEditPoints="1" noAdjustHandles="1" noChangeArrowheads="1" noChangeShapeType="1" noTextEdit="1"/>
+              </p:cNvSpPr>
+              <p:nvPr/>
+            </p:nvSpPr>
+            <p:spPr>
+              <a:xfrm>
+                <a:off x="183020" y="5711780"/>
+                <a:ext cx="8639673" cy="923330"/>
+              </a:xfrm>
+              <a:prstGeom prst="rect">
+                <a:avLst/>
+              </a:prstGeom>
+              <a:blipFill>
+                <a:blip r:embed="rId15"/>
+                <a:stretch>
+                  <a:fillRect l="-565" t="-3974" b="-9934"/>
+                </a:stretch>
+              </a:blipFill>
+            </p:spPr>
+            <p:txBody>
+              <a:bodyPr/>
+              <a:lstStyle/>
+              <a:p>
+                <a:r>
+                  <a:rPr lang="zh-CN" altLang="en-US">
+                    <a:noFill/>
+                  </a:rPr>
+                  <a:t> </a:t>
+                </a:r>
+              </a:p>
+            </p:txBody>
+          </p:sp>
+        </mc:Fallback>
+      </mc:AlternateContent>
     </p:spTree>
     <p:extLst>
       <p:ext uri="{BB962C8B-B14F-4D97-AF65-F5344CB8AC3E}">
@@ -11535,8 +12013,8 @@
           </a:p>
         </p:txBody>
       </p:sp>
-      <mc:AlternateContent xmlns:mc="http://schemas.openxmlformats.org/markup-compatibility/2006">
-        <mc:Choice xmlns:a14="http://schemas.microsoft.com/office/drawing/2010/main" Requires="a14">
+      <mc:AlternateContent xmlns:mc="http://schemas.openxmlformats.org/markup-compatibility/2006" xmlns:a14="http://schemas.microsoft.com/office/drawing/2010/main">
+        <mc:Choice Requires="a14">
           <p:sp>
             <p:nvSpPr>
               <p:cNvPr id="7" name="文本框 6">
@@ -11821,7 +12299,7 @@
             </p:txBody>
           </p:sp>
         </mc:Choice>
-        <mc:Fallback>
+        <mc:Fallback xmlns="">
           <p:sp>
             <p:nvSpPr>
               <p:cNvPr id="7" name="文本框 6">
@@ -12074,8 +12552,8 @@
           </a:fontRef>
         </p:style>
       </p:cxnSp>
-      <mc:AlternateContent xmlns:mc="http://schemas.openxmlformats.org/markup-compatibility/2006">
-        <mc:Choice xmlns:a14="http://schemas.microsoft.com/office/drawing/2010/main" Requires="a14">
+      <mc:AlternateContent xmlns:mc="http://schemas.openxmlformats.org/markup-compatibility/2006" xmlns:a14="http://schemas.microsoft.com/office/drawing/2010/main">
+        <mc:Choice Requires="a14">
           <p:sp>
             <p:nvSpPr>
               <p:cNvPr id="38" name="文本框 37">
@@ -12144,7 +12622,7 @@
             </p:txBody>
           </p:sp>
         </mc:Choice>
-        <mc:Fallback>
+        <mc:Fallback xmlns="">
           <p:sp>
             <p:nvSpPr>
               <p:cNvPr id="38" name="文本框 37">
@@ -12189,8 +12667,8 @@
           </p:sp>
         </mc:Fallback>
       </mc:AlternateContent>
-      <mc:AlternateContent xmlns:mc="http://schemas.openxmlformats.org/markup-compatibility/2006">
-        <mc:Choice xmlns:a14="http://schemas.microsoft.com/office/drawing/2010/main" Requires="a14">
+      <mc:AlternateContent xmlns:mc="http://schemas.openxmlformats.org/markup-compatibility/2006" xmlns:a14="http://schemas.microsoft.com/office/drawing/2010/main">
+        <mc:Choice Requires="a14">
           <p:sp>
             <p:nvSpPr>
               <p:cNvPr id="40" name="文本框 39">
@@ -12356,7 +12834,7 @@
             </p:txBody>
           </p:sp>
         </mc:Choice>
-        <mc:Fallback>
+        <mc:Fallback xmlns="">
           <p:sp>
             <p:nvSpPr>
               <p:cNvPr id="40" name="文本框 39">
@@ -12401,8 +12879,8 @@
           </p:sp>
         </mc:Fallback>
       </mc:AlternateContent>
-      <mc:AlternateContent xmlns:mc="http://schemas.openxmlformats.org/markup-compatibility/2006">
-        <mc:Choice xmlns:a14="http://schemas.microsoft.com/office/drawing/2010/main" Requires="a14">
+      <mc:AlternateContent xmlns:mc="http://schemas.openxmlformats.org/markup-compatibility/2006" xmlns:a14="http://schemas.microsoft.com/office/drawing/2010/main">
+        <mc:Choice Requires="a14">
           <p:sp>
             <p:nvSpPr>
               <p:cNvPr id="45" name="文本框 44">
@@ -12801,7 +13279,7 @@
             </p:txBody>
           </p:sp>
         </mc:Choice>
-        <mc:Fallback>
+        <mc:Fallback xmlns="">
           <p:sp>
             <p:nvSpPr>
               <p:cNvPr id="45" name="文本框 44">
@@ -12985,8 +13463,8 @@
           </a:fontRef>
         </p:style>
       </p:cxnSp>
-      <mc:AlternateContent xmlns:mc="http://schemas.openxmlformats.org/markup-compatibility/2006">
-        <mc:Choice xmlns:a14="http://schemas.microsoft.com/office/drawing/2010/main" Requires="a14">
+      <mc:AlternateContent xmlns:mc="http://schemas.openxmlformats.org/markup-compatibility/2006" xmlns:a14="http://schemas.microsoft.com/office/drawing/2010/main">
+        <mc:Choice Requires="a14">
           <p:sp>
             <p:nvSpPr>
               <p:cNvPr id="28" name="文本框 27">
@@ -13015,6 +13493,7 @@
               </a:bodyPr>
               <a:lstStyle/>
               <a:p>
+                <a:pPr/>
                 <a14:m>
                   <m:oMathPara xmlns:m="http://schemas.openxmlformats.org/officeDocument/2006/math">
                     <m:oMathParaPr>
@@ -13084,7 +13563,7 @@
             </p:txBody>
           </p:sp>
         </mc:Choice>
-        <mc:Fallback>
+        <mc:Fallback xmlns="">
           <p:sp>
             <p:nvSpPr>
               <p:cNvPr id="28" name="文本框 27">
@@ -13288,8 +13767,8 @@
           </a:fontRef>
         </p:style>
       </p:cxnSp>
-      <mc:AlternateContent xmlns:mc="http://schemas.openxmlformats.org/markup-compatibility/2006">
-        <mc:Choice xmlns:a14="http://schemas.microsoft.com/office/drawing/2010/main" Requires="a14">
+      <mc:AlternateContent xmlns:mc="http://schemas.openxmlformats.org/markup-compatibility/2006" xmlns:a14="http://schemas.microsoft.com/office/drawing/2010/main">
+        <mc:Choice Requires="a14">
           <p:sp>
             <p:nvSpPr>
               <p:cNvPr id="47" name="文本框 46">
@@ -13318,6 +13797,7 @@
               </a:bodyPr>
               <a:lstStyle/>
               <a:p>
+                <a:pPr/>
                 <a14:m>
                   <m:oMathPara xmlns:m="http://schemas.openxmlformats.org/officeDocument/2006/math">
                     <m:oMathParaPr>
@@ -13387,7 +13867,7 @@
             </p:txBody>
           </p:sp>
         </mc:Choice>
-        <mc:Fallback>
+        <mc:Fallback xmlns="">
           <p:sp>
             <p:nvSpPr>
               <p:cNvPr id="47" name="文本框 46">
@@ -13478,8 +13958,8 @@
           </a:fontRef>
         </p:style>
       </p:cxnSp>
-      <mc:AlternateContent xmlns:mc="http://schemas.openxmlformats.org/markup-compatibility/2006">
-        <mc:Choice xmlns:a14="http://schemas.microsoft.com/office/drawing/2010/main" Requires="a14">
+      <mc:AlternateContent xmlns:mc="http://schemas.openxmlformats.org/markup-compatibility/2006" xmlns:a14="http://schemas.microsoft.com/office/drawing/2010/main">
+        <mc:Choice Requires="a14">
           <p:sp>
             <p:nvSpPr>
               <p:cNvPr id="53" name="文本框 52">
@@ -13616,7 +14096,7 @@
             </p:txBody>
           </p:sp>
         </mc:Choice>
-        <mc:Fallback>
+        <mc:Fallback xmlns="">
           <p:sp>
             <p:nvSpPr>
               <p:cNvPr id="53" name="文本框 52">
@@ -13982,8 +14462,8 @@
           </a:fontRef>
         </p:style>
       </p:cxnSp>
-      <mc:AlternateContent xmlns:mc="http://schemas.openxmlformats.org/markup-compatibility/2006">
-        <mc:Choice xmlns:a14="http://schemas.microsoft.com/office/drawing/2010/main" Requires="a14">
+      <mc:AlternateContent xmlns:mc="http://schemas.openxmlformats.org/markup-compatibility/2006" xmlns:a14="http://schemas.microsoft.com/office/drawing/2010/main">
+        <mc:Choice Requires="a14">
           <p:sp>
             <p:nvSpPr>
               <p:cNvPr id="59" name="文本框 58">
@@ -14052,7 +14532,7 @@
             </p:txBody>
           </p:sp>
         </mc:Choice>
-        <mc:Fallback>
+        <mc:Fallback xmlns="">
           <p:sp>
             <p:nvSpPr>
               <p:cNvPr id="59" name="文本框 58">
@@ -14097,8 +14577,8 @@
           </p:sp>
         </mc:Fallback>
       </mc:AlternateContent>
-      <mc:AlternateContent xmlns:mc="http://schemas.openxmlformats.org/markup-compatibility/2006">
-        <mc:Choice xmlns:a14="http://schemas.microsoft.com/office/drawing/2010/main" Requires="a14">
+      <mc:AlternateContent xmlns:mc="http://schemas.openxmlformats.org/markup-compatibility/2006" xmlns:a14="http://schemas.microsoft.com/office/drawing/2010/main">
+        <mc:Choice Requires="a14">
           <p:sp>
             <p:nvSpPr>
               <p:cNvPr id="60" name="文本框 59">
@@ -14264,7 +14744,7 @@
             </p:txBody>
           </p:sp>
         </mc:Choice>
-        <mc:Fallback>
+        <mc:Fallback xmlns="">
           <p:sp>
             <p:nvSpPr>
               <p:cNvPr id="60" name="文本框 59">
@@ -14409,8 +14889,8 @@
           </a:fontRef>
         </p:style>
       </p:cxnSp>
-      <mc:AlternateContent xmlns:mc="http://schemas.openxmlformats.org/markup-compatibility/2006">
-        <mc:Choice xmlns:a14="http://schemas.microsoft.com/office/drawing/2010/main" Requires="a14">
+      <mc:AlternateContent xmlns:mc="http://schemas.openxmlformats.org/markup-compatibility/2006" xmlns:a14="http://schemas.microsoft.com/office/drawing/2010/main">
+        <mc:Choice Requires="a14">
           <p:sp>
             <p:nvSpPr>
               <p:cNvPr id="63" name="文本框 62">
@@ -14439,6 +14919,7 @@
               </a:bodyPr>
               <a:lstStyle/>
               <a:p>
+                <a:pPr/>
                 <a14:m>
                   <m:oMathPara xmlns:m="http://schemas.openxmlformats.org/officeDocument/2006/math">
                     <m:oMathParaPr>
@@ -14508,7 +14989,7 @@
             </p:txBody>
           </p:sp>
         </mc:Choice>
-        <mc:Fallback>
+        <mc:Fallback xmlns="">
           <p:sp>
             <p:nvSpPr>
               <p:cNvPr id="63" name="文本框 62">
@@ -14712,8 +15193,8 @@
           </a:fontRef>
         </p:style>
       </p:cxnSp>
-      <mc:AlternateContent xmlns:mc="http://schemas.openxmlformats.org/markup-compatibility/2006">
-        <mc:Choice xmlns:a14="http://schemas.microsoft.com/office/drawing/2010/main" Requires="a14">
+      <mc:AlternateContent xmlns:mc="http://schemas.openxmlformats.org/markup-compatibility/2006" xmlns:a14="http://schemas.microsoft.com/office/drawing/2010/main">
+        <mc:Choice Requires="a14">
           <p:sp>
             <p:nvSpPr>
               <p:cNvPr id="67" name="文本框 66">
@@ -14742,6 +15223,7 @@
               </a:bodyPr>
               <a:lstStyle/>
               <a:p>
+                <a:pPr/>
                 <a14:m>
                   <m:oMathPara xmlns:m="http://schemas.openxmlformats.org/officeDocument/2006/math">
                     <m:oMathParaPr>
@@ -14811,7 +15293,7 @@
             </p:txBody>
           </p:sp>
         </mc:Choice>
-        <mc:Fallback>
+        <mc:Fallback xmlns="">
           <p:sp>
             <p:nvSpPr>
               <p:cNvPr id="67" name="文本框 66">
@@ -14902,8 +15384,8 @@
           </a:fontRef>
         </p:style>
       </p:cxnSp>
-      <mc:AlternateContent xmlns:mc="http://schemas.openxmlformats.org/markup-compatibility/2006">
-        <mc:Choice xmlns:a14="http://schemas.microsoft.com/office/drawing/2010/main" Requires="a14">
+      <mc:AlternateContent xmlns:mc="http://schemas.openxmlformats.org/markup-compatibility/2006" xmlns:a14="http://schemas.microsoft.com/office/drawing/2010/main">
+        <mc:Choice Requires="a14">
           <p:sp>
             <p:nvSpPr>
               <p:cNvPr id="69" name="文本框 68">
@@ -15040,7 +15522,7 @@
             </p:txBody>
           </p:sp>
         </mc:Choice>
-        <mc:Fallback>
+        <mc:Fallback xmlns="">
           <p:sp>
             <p:nvSpPr>
               <p:cNvPr id="69" name="文本框 68">
